--- a/Semana1/Evaluación.pptx
+++ b/Semana1/Evaluación.pptx
@@ -291,7 +291,7 @@
           <a:p>
             <a:fld id="{DAF14B6E-FFA7-49D6-9E06-E19612798D76}" type="datetimeFigureOut">
               <a:rPr lang="es-MX" smtClean="0"/>
-              <a:t>05/02/2013</a:t>
+              <a:t>01/04/2013</a:t>
             </a:fld>
             <a:endParaRPr lang="es-MX"/>
           </a:p>
@@ -456,7 +456,7 @@
           <a:p>
             <a:fld id="{DAF14B6E-FFA7-49D6-9E06-E19612798D76}" type="datetimeFigureOut">
               <a:rPr lang="es-MX" smtClean="0"/>
-              <a:t>05/02/2013</a:t>
+              <a:t>01/04/2013</a:t>
             </a:fld>
             <a:endParaRPr lang="es-MX"/>
           </a:p>
@@ -631,7 +631,7 @@
           <a:p>
             <a:fld id="{DAF14B6E-FFA7-49D6-9E06-E19612798D76}" type="datetimeFigureOut">
               <a:rPr lang="es-MX" smtClean="0"/>
-              <a:t>05/02/2013</a:t>
+              <a:t>01/04/2013</a:t>
             </a:fld>
             <a:endParaRPr lang="es-MX"/>
           </a:p>
@@ -796,7 +796,7 @@
           <a:p>
             <a:fld id="{DAF14B6E-FFA7-49D6-9E06-E19612798D76}" type="datetimeFigureOut">
               <a:rPr lang="es-MX" smtClean="0"/>
-              <a:t>05/02/2013</a:t>
+              <a:t>01/04/2013</a:t>
             </a:fld>
             <a:endParaRPr lang="es-MX"/>
           </a:p>
@@ -1037,7 +1037,7 @@
           <a:p>
             <a:fld id="{DAF14B6E-FFA7-49D6-9E06-E19612798D76}" type="datetimeFigureOut">
               <a:rPr lang="es-MX" smtClean="0"/>
-              <a:t>05/02/2013</a:t>
+              <a:t>01/04/2013</a:t>
             </a:fld>
             <a:endParaRPr lang="es-MX"/>
           </a:p>
@@ -1320,7 +1320,7 @@
           <a:p>
             <a:fld id="{DAF14B6E-FFA7-49D6-9E06-E19612798D76}" type="datetimeFigureOut">
               <a:rPr lang="es-MX" smtClean="0"/>
-              <a:t>05/02/2013</a:t>
+              <a:t>01/04/2013</a:t>
             </a:fld>
             <a:endParaRPr lang="es-MX"/>
           </a:p>
@@ -1737,7 +1737,7 @@
           <a:p>
             <a:fld id="{DAF14B6E-FFA7-49D6-9E06-E19612798D76}" type="datetimeFigureOut">
               <a:rPr lang="es-MX" smtClean="0"/>
-              <a:t>05/02/2013</a:t>
+              <a:t>01/04/2013</a:t>
             </a:fld>
             <a:endParaRPr lang="es-MX"/>
           </a:p>
@@ -1850,7 +1850,7 @@
           <a:p>
             <a:fld id="{DAF14B6E-FFA7-49D6-9E06-E19612798D76}" type="datetimeFigureOut">
               <a:rPr lang="es-MX" smtClean="0"/>
-              <a:t>05/02/2013</a:t>
+              <a:t>01/04/2013</a:t>
             </a:fld>
             <a:endParaRPr lang="es-MX"/>
           </a:p>
@@ -1940,7 +1940,7 @@
           <a:p>
             <a:fld id="{DAF14B6E-FFA7-49D6-9E06-E19612798D76}" type="datetimeFigureOut">
               <a:rPr lang="es-MX" smtClean="0"/>
-              <a:t>05/02/2013</a:t>
+              <a:t>01/04/2013</a:t>
             </a:fld>
             <a:endParaRPr lang="es-MX"/>
           </a:p>
@@ -2212,7 +2212,7 @@
           <a:p>
             <a:fld id="{DAF14B6E-FFA7-49D6-9E06-E19612798D76}" type="datetimeFigureOut">
               <a:rPr lang="es-MX" smtClean="0"/>
-              <a:t>05/02/2013</a:t>
+              <a:t>01/04/2013</a:t>
             </a:fld>
             <a:endParaRPr lang="es-MX"/>
           </a:p>
@@ -2460,7 +2460,7 @@
           <a:p>
             <a:fld id="{DAF14B6E-FFA7-49D6-9E06-E19612798D76}" type="datetimeFigureOut">
               <a:rPr lang="es-MX" smtClean="0"/>
-              <a:t>05/02/2013</a:t>
+              <a:t>01/04/2013</a:t>
             </a:fld>
             <a:endParaRPr lang="es-MX"/>
           </a:p>
@@ -2668,7 +2668,7 @@
           <a:p>
             <a:fld id="{DAF14B6E-FFA7-49D6-9E06-E19612798D76}" type="datetimeFigureOut">
               <a:rPr lang="es-MX" smtClean="0"/>
-              <a:t>05/02/2013</a:t>
+              <a:t>01/04/2013</a:t>
             </a:fld>
             <a:endParaRPr lang="es-MX"/>
           </a:p>
@@ -3078,11 +3078,7 @@
           <a:p>
             <a:r>
               <a:rPr lang="es-MX" smtClean="0"/>
-              <a:t>Marzo </a:t>
-            </a:r>
-            <a:r>
-              <a:rPr lang="es-MX" smtClean="0"/>
-              <a:t>2013</a:t>
+              <a:t>Marzo 2013</a:t>
             </a:r>
             <a:endParaRPr lang="es-MX" dirty="0"/>
           </a:p>
@@ -3160,51 +3156,115 @@
           </a:bodyPr>
           <a:lstStyle/>
           <a:p>
-            <a:r>
-              <a:rPr lang="es-MX" dirty="0" smtClean="0"/>
-              <a:t>¿Qué es un ensamblador?</a:t>
-            </a:r>
-          </a:p>
-          <a:p>
-            <a:r>
-              <a:rPr lang="es-MX" dirty="0" smtClean="0"/>
-              <a:t>Define lenguaje ensamblador</a:t>
-            </a:r>
-          </a:p>
-          <a:p>
-            <a:r>
-              <a:rPr lang="es-MX" dirty="0" smtClean="0"/>
-              <a:t>¿Qué es una instrucción?</a:t>
-            </a:r>
-          </a:p>
-          <a:p>
-            <a:r>
-              <a:rPr lang="es-MX" dirty="0" smtClean="0"/>
-              <a:t>¿Que es el código de operación?</a:t>
-            </a:r>
-          </a:p>
-          <a:p>
-            <a:r>
-              <a:rPr lang="es-MX" dirty="0" smtClean="0"/>
-              <a:t>¿Qué es el lenguaje máquina?</a:t>
-            </a:r>
-          </a:p>
-          <a:p>
-            <a:r>
-              <a:rPr lang="es-MX" dirty="0" smtClean="0"/>
-              <a:t>Explica el conjunto de instrucciones de los procesadores.</a:t>
-            </a:r>
-          </a:p>
-          <a:p>
-            <a:r>
-              <a:rPr lang="es-MX" dirty="0" smtClean="0"/>
-              <a:t>Realiza una comparativa de la arquitectura RISC y CISC</a:t>
-            </a:r>
-          </a:p>
-          <a:p>
-            <a:r>
-              <a:rPr lang="es-MX" dirty="0" smtClean="0"/>
-              <a:t>¿Qué es un bit, byte, </a:t>
+            <a:pPr marL="514350" indent="-514350">
+              <a:buAutoNum type="arabicPeriod"/>
+            </a:pPr>
+            <a:r>
+              <a:rPr lang="es-MX" dirty="0" smtClean="0"/>
+              <a:t>¿Qué </a:t>
+            </a:r>
+            <a:r>
+              <a:rPr lang="es-MX" dirty="0" smtClean="0"/>
+              <a:t>es un </a:t>
+            </a:r>
+            <a:r>
+              <a:rPr lang="es-MX" dirty="0" smtClean="0"/>
+              <a:t>ensamblador?</a:t>
+            </a:r>
+          </a:p>
+          <a:p>
+            <a:pPr marL="514350" indent="-514350">
+              <a:buAutoNum type="arabicPeriod"/>
+            </a:pPr>
+            <a:r>
+              <a:rPr lang="es-MX" dirty="0" smtClean="0"/>
+              <a:t>Define </a:t>
+            </a:r>
+            <a:r>
+              <a:rPr lang="es-MX" dirty="0" smtClean="0"/>
+              <a:t>lenguaje </a:t>
+            </a:r>
+            <a:r>
+              <a:rPr lang="es-MX" dirty="0" smtClean="0"/>
+              <a:t>ensamblador</a:t>
+            </a:r>
+          </a:p>
+          <a:p>
+            <a:pPr marL="514350" indent="-514350">
+              <a:buAutoNum type="arabicPeriod"/>
+            </a:pPr>
+            <a:r>
+              <a:rPr lang="es-MX" dirty="0" smtClean="0"/>
+              <a:t>¿Qué </a:t>
+            </a:r>
+            <a:r>
+              <a:rPr lang="es-MX" dirty="0" smtClean="0"/>
+              <a:t>es una instrucción?</a:t>
+            </a:r>
+          </a:p>
+          <a:p>
+            <a:pPr marL="0" indent="0">
+              <a:buNone/>
+            </a:pPr>
+            <a:r>
+              <a:rPr lang="es-MX" dirty="0" smtClean="0"/>
+              <a:t>4. ¿Que </a:t>
+            </a:r>
+            <a:r>
+              <a:rPr lang="es-MX" dirty="0" smtClean="0"/>
+              <a:t>es el código de operación?</a:t>
+            </a:r>
+          </a:p>
+          <a:p>
+            <a:pPr marL="0" indent="0">
+              <a:buNone/>
+            </a:pPr>
+            <a:r>
+              <a:rPr lang="es-MX" dirty="0" smtClean="0"/>
+              <a:t>5. ¿Qué </a:t>
+            </a:r>
+            <a:r>
+              <a:rPr lang="es-MX" dirty="0" smtClean="0"/>
+              <a:t>es el lenguaje máquina?</a:t>
+            </a:r>
+          </a:p>
+          <a:p>
+            <a:pPr marL="0" indent="0">
+              <a:buNone/>
+            </a:pPr>
+            <a:r>
+              <a:rPr lang="es-MX" dirty="0" smtClean="0"/>
+              <a:t>6. Explica </a:t>
+            </a:r>
+            <a:r>
+              <a:rPr lang="es-MX" dirty="0" smtClean="0"/>
+              <a:t>el conjunto de instrucciones de los procesadores.</a:t>
+            </a:r>
+          </a:p>
+          <a:p>
+            <a:pPr marL="0" indent="0">
+              <a:buNone/>
+            </a:pPr>
+            <a:r>
+              <a:rPr lang="es-MX" dirty="0" smtClean="0"/>
+              <a:t>7. Realiza </a:t>
+            </a:r>
+            <a:r>
+              <a:rPr lang="es-MX" dirty="0" smtClean="0"/>
+              <a:t>una comparativa de la arquitectura RISC y CISC</a:t>
+            </a:r>
+          </a:p>
+          <a:p>
+            <a:pPr marL="0" indent="0">
+              <a:buNone/>
+            </a:pPr>
+            <a:r>
+              <a:rPr lang="es-MX" dirty="0" smtClean="0"/>
+              <a:t>8. ¿Qué </a:t>
+            </a:r>
+            <a:r>
+              <a:rPr lang="es-MX" dirty="0" smtClean="0"/>
+              <a:t>es un bit, byte, </a:t>
             </a:r>
             <a:r>
               <a:rPr lang="es-MX" dirty="0" err="1" smtClean="0"/>
@@ -3224,9 +3284,16 @@
             </a:r>
           </a:p>
           <a:p>
-            <a:r>
-              <a:rPr lang="es-MX" dirty="0" smtClean="0"/>
-              <a:t>¿Qué es un mnemónico, menciona un ejemplo?</a:t>
+            <a:pPr marL="0" indent="0">
+              <a:buNone/>
+            </a:pPr>
+            <a:r>
+              <a:rPr lang="es-MX" dirty="0" smtClean="0"/>
+              <a:t>9. ¿Qué </a:t>
+            </a:r>
+            <a:r>
+              <a:rPr lang="es-MX" dirty="0" smtClean="0"/>
+              <a:t>es un mnemónico, menciona un ejemplo?</a:t>
             </a:r>
           </a:p>
           <a:p>
@@ -3304,23 +3371,37 @@
         <p:spPr/>
         <p:txBody>
           <a:bodyPr>
-            <a:normAutofit fontScale="92500" lnSpcReduction="10000"/>
+            <a:normAutofit fontScale="85000" lnSpcReduction="10000"/>
           </a:bodyPr>
           <a:lstStyle/>
           <a:p>
-            <a:r>
-              <a:rPr lang="es-MX" dirty="0" smtClean="0"/>
-              <a:t>¿Por qué aprenderías a programar en ensamblador?</a:t>
-            </a:r>
-          </a:p>
-          <a:p>
-            <a:r>
-              <a:rPr lang="es-MX" dirty="0" smtClean="0"/>
-              <a:t>Menciona los registros que existen en los </a:t>
-            </a:r>
-            <a:r>
-              <a:rPr lang="es-MX" smtClean="0"/>
-              <a:t>procesadores (clasifícalos </a:t>
+            <a:pPr marL="0" indent="0">
+              <a:buNone/>
+            </a:pPr>
+            <a:r>
+              <a:rPr lang="es-MX" dirty="0" smtClean="0"/>
+              <a:t>10. ¿Por </a:t>
+            </a:r>
+            <a:r>
+              <a:rPr lang="es-MX" dirty="0" smtClean="0"/>
+              <a:t>qué aprenderías a programar en ensamblador?</a:t>
+            </a:r>
+          </a:p>
+          <a:p>
+            <a:pPr marL="0" indent="0">
+              <a:buNone/>
+            </a:pPr>
+            <a:r>
+              <a:rPr lang="es-MX" dirty="0" smtClean="0"/>
+              <a:t>11. Menciona y describe los </a:t>
+            </a:r>
+            <a:r>
+              <a:rPr lang="es-MX" dirty="0" smtClean="0"/>
+              <a:t>registros que existen en los procesadores </a:t>
+            </a:r>
+            <a:r>
+              <a:rPr lang="es-MX" dirty="0" smtClean="0"/>
+              <a:t>x86 (clasifícalos </a:t>
             </a:r>
             <a:r>
               <a:rPr lang="es-MX" dirty="0" smtClean="0"/>
@@ -3328,13 +3409,16 @@
             </a:r>
           </a:p>
           <a:p>
-            <a:r>
-              <a:rPr lang="es-MX" dirty="0" smtClean="0"/>
-              <a:t>Elabora un diagrama que represente la arquitectura Von </a:t>
-            </a:r>
-            <a:r>
-              <a:rPr lang="es-MX" dirty="0" err="1" smtClean="0"/>
-              <a:t>Neumann</a:t>
+            <a:pPr marL="0" indent="0">
+              <a:buNone/>
+            </a:pPr>
+            <a:r>
+              <a:rPr lang="es-MX" dirty="0" smtClean="0"/>
+              <a:t>12. Elabora </a:t>
+            </a:r>
+            <a:r>
+              <a:rPr lang="es-MX" dirty="0" smtClean="0"/>
+              <a:t>un diagrama que represente la arquitectura Von Neumann</a:t>
             </a:r>
             <a:r>
               <a:rPr lang="es-MX" dirty="0"/>
@@ -3343,9 +3427,16 @@
             <a:endParaRPr lang="es-MX" dirty="0" smtClean="0"/>
           </a:p>
           <a:p>
-            <a:r>
-              <a:rPr lang="es-MX" dirty="0" smtClean="0"/>
-              <a:t>¿Qué es un </a:t>
+            <a:pPr marL="0" indent="0">
+              <a:buNone/>
+            </a:pPr>
+            <a:r>
+              <a:rPr lang="es-MX" dirty="0" smtClean="0"/>
+              <a:t>13. ¿Qué </a:t>
+            </a:r>
+            <a:r>
+              <a:rPr lang="es-MX" dirty="0" smtClean="0"/>
+              <a:t>es un </a:t>
             </a:r>
             <a:r>
               <a:rPr lang="es-MX" dirty="0"/>
@@ -3357,10 +3448,45 @@
             </a:r>
           </a:p>
           <a:p>
-            <a:r>
-              <a:rPr lang="es-MX" dirty="0" smtClean="0"/>
-              <a:t>¿Qué herramientas necesitas para realizar y construir un programa en ensamblador?</a:t>
-            </a:r>
+            <a:pPr marL="0" indent="0">
+              <a:buNone/>
+            </a:pPr>
+            <a:r>
+              <a:rPr lang="es-MX" dirty="0" smtClean="0"/>
+              <a:t>14. ¿Qué </a:t>
+            </a:r>
+            <a:r>
+              <a:rPr lang="es-MX" dirty="0" smtClean="0"/>
+              <a:t>herramientas necesitas para realizar y construir un programa en ensamblador</a:t>
+            </a:r>
+            <a:r>
+              <a:rPr lang="es-MX" dirty="0" smtClean="0"/>
+              <a:t>?</a:t>
+            </a:r>
+          </a:p>
+          <a:p>
+            <a:pPr marL="0" indent="0">
+              <a:buNone/>
+            </a:pPr>
+            <a:r>
+              <a:rPr lang="es-MX" dirty="0" smtClean="0"/>
+              <a:t>15. ¿Qué es un depurador y para que lo utilizarías?</a:t>
+            </a:r>
+          </a:p>
+          <a:p>
+            <a:pPr marL="0" indent="0">
+              <a:buNone/>
+            </a:pPr>
+            <a:r>
+              <a:rPr lang="es-MX" dirty="0" smtClean="0"/>
+              <a:t>16. Modos en que trabaja un procesador</a:t>
+            </a:r>
+          </a:p>
+          <a:p>
+            <a:pPr marL="0" indent="0">
+              <a:buNone/>
+            </a:pPr>
+            <a:endParaRPr lang="es-MX" dirty="0" smtClean="0"/>
           </a:p>
           <a:p>
             <a:endParaRPr lang="es-MX" dirty="0"/>
